--- a/Coding Task II & Weather API Poster.pptx
+++ b/Coding Task II & Weather API Poster.pptx
@@ -8561,47 +8561,6 @@
           </a:p>
         </p:txBody>
       </p:sp>
-      <p:pic>
-        <p:nvPicPr>
-          <p:cNvPr id="81440" name="Picture 544" descr="C:\Users\Alastair\Documents\GitHub\Desktop_game\our code\SDL_project\Resources\goal.png"/>
-          <p:cNvPicPr>
-            <a:picLocks noChangeAspect="1" noChangeArrowheads="1"/>
-          </p:cNvPicPr>
-          <p:nvPr/>
-        </p:nvPicPr>
-        <p:blipFill>
-          <a:blip r:embed="rId2">
-            <a:extLst>
-              <a:ext uri="{28A0092B-C50C-407E-A947-70E740481C1C}">
-                <a14:useLocalDpi xmlns:a14="http://schemas.microsoft.com/office/drawing/2010/main" val="0"/>
-              </a:ext>
-            </a:extLst>
-          </a:blip>
-          <a:srcRect/>
-          <a:stretch>
-            <a:fillRect/>
-          </a:stretch>
-        </p:blipFill>
-        <p:spPr bwMode="auto">
-          <a:xfrm>
-            <a:off x="13247440" y="28879564"/>
-            <a:ext cx="2535520" cy="2535520"/>
-          </a:xfrm>
-          <a:prstGeom prst="rect">
-            <a:avLst/>
-          </a:prstGeom>
-          <a:noFill/>
-          <a:extLst>
-            <a:ext uri="{909E8E84-426E-40DD-AFC4-6F175D3DCCD1}">
-              <a14:hiddenFill xmlns:a14="http://schemas.microsoft.com/office/drawing/2010/main">
-                <a:solidFill>
-                  <a:srgbClr val="FFFFFF"/>
-                </a:solidFill>
-              </a14:hiddenFill>
-            </a:ext>
-          </a:extLst>
-        </p:spPr>
-      </p:pic>
       <p:sp>
         <p:nvSpPr>
           <p:cNvPr id="3" name="Text Placeholder 2"/>
@@ -8675,7 +8634,7 @@
           <p:nvPr/>
         </p:nvPicPr>
         <p:blipFill>
-          <a:blip r:embed="rId3">
+          <a:blip r:embed="rId2">
             <a:extLst>
               <a:ext uri="{28A0092B-C50C-407E-A947-70E740481C1C}">
                 <a14:useLocalDpi xmlns:a14="http://schemas.microsoft.com/office/drawing/2010/main" val="0"/>
@@ -8728,7 +8687,7 @@
           <p:nvPr/>
         </p:nvPicPr>
         <p:blipFill rotWithShape="1">
-          <a:blip r:embed="rId4">
+          <a:blip r:embed="rId3">
             <a:extLst>
               <a:ext uri="{28A0092B-C50C-407E-A947-70E740481C1C}">
                 <a14:useLocalDpi xmlns:a14="http://schemas.microsoft.com/office/drawing/2010/main" val="0"/>
@@ -8779,7 +8738,7 @@
           <p:nvPr/>
         </p:nvPicPr>
         <p:blipFill rotWithShape="1">
-          <a:blip r:embed="rId5">
+          <a:blip r:embed="rId4">
             <a:extLst>
               <a:ext uri="{28A0092B-C50C-407E-A947-70E740481C1C}">
                 <a14:useLocalDpi xmlns:a14="http://schemas.microsoft.com/office/drawing/2010/main" val="0"/>
@@ -8791,7 +8750,7 @@
         </p:blipFill>
         <p:spPr bwMode="auto">
           <a:xfrm>
-            <a:off x="3174659" y="13951319"/>
+            <a:off x="3030643" y="19727548"/>
             <a:ext cx="11340541" cy="11340542"/>
           </a:xfrm>
           <a:prstGeom prst="rect">
@@ -8830,7 +8789,7 @@
           <p:nvPr/>
         </p:nvPicPr>
         <p:blipFill>
-          <a:blip r:embed="rId6">
+          <a:blip r:embed="rId5">
             <a:extLst>
               <a:ext uri="{28A0092B-C50C-407E-A947-70E740481C1C}">
                 <a14:useLocalDpi xmlns:a14="http://schemas.microsoft.com/office/drawing/2010/main" val="0"/>
@@ -9033,6 +8992,142 @@
               </a:rPr>
               <a:t>An Image of the code working in game and setting the weather to clear</a:t>
             </a:r>
+          </a:p>
+        </p:txBody>
+      </p:sp>
+      <p:sp>
+        <p:nvSpPr>
+          <p:cNvPr id="107" name="TextBox 106"/>
+          <p:cNvSpPr txBox="1"/>
+          <p:nvPr/>
+        </p:nvSpPr>
+        <p:spPr>
+          <a:xfrm>
+            <a:off x="862064" y="31299850"/>
+            <a:ext cx="16201800" cy="3767185"/>
+          </a:xfrm>
+          <a:prstGeom prst="rect">
+            <a:avLst/>
+          </a:prstGeom>
+          <a:noFill/>
+        </p:spPr>
+        <p:txBody>
+          <a:bodyPr wrap="square" rtlCol="0">
+            <a:spAutoFit/>
+          </a:bodyPr>
+          <a:lstStyle/>
+          <a:p>
+            <a:pPr algn="ctr">
+              <a:buNone/>
+            </a:pPr>
+            <a:r>
+              <a:rPr lang="en-GB" sz="6000" dirty="0" smtClean="0">
+                <a:solidFill>
+                  <a:srgbClr val="FFFFFF"/>
+                </a:solidFill>
+                <a:latin typeface="+mn-lt"/>
+                <a:ea typeface="Tahoma" pitchFamily="34" charset="0"/>
+                <a:cs typeface="Tahoma" pitchFamily="34" charset="0"/>
+              </a:rPr>
+              <a:t>This is the final game, with oxygen placed in some of the rooms.</a:t>
+            </a:r>
+          </a:p>
+          <a:p>
+            <a:pPr>
+              <a:buNone/>
+            </a:pPr>
+            <a:endParaRPr lang="en-GB" dirty="0">
+              <a:latin typeface="+mn-lt"/>
+            </a:endParaRPr>
+          </a:p>
+        </p:txBody>
+      </p:sp>
+      <p:sp>
+        <p:nvSpPr>
+          <p:cNvPr id="108" name="TextBox 107"/>
+          <p:cNvSpPr txBox="1"/>
+          <p:nvPr/>
+        </p:nvSpPr>
+        <p:spPr>
+          <a:xfrm>
+            <a:off x="574032" y="41405134"/>
+            <a:ext cx="16849872" cy="3767185"/>
+          </a:xfrm>
+          <a:prstGeom prst="rect">
+            <a:avLst/>
+          </a:prstGeom>
+          <a:noFill/>
+        </p:spPr>
+        <p:txBody>
+          <a:bodyPr wrap="square" rtlCol="0">
+            <a:spAutoFit/>
+          </a:bodyPr>
+          <a:lstStyle/>
+          <a:p>
+            <a:pPr algn="ctr">
+              <a:buNone/>
+            </a:pPr>
+            <a:r>
+              <a:rPr lang="en-GB" sz="6000" dirty="0" smtClean="0">
+                <a:solidFill>
+                  <a:srgbClr val="FFFFFF"/>
+                </a:solidFill>
+                <a:latin typeface="+mn-lt"/>
+                <a:ea typeface="Tahoma" pitchFamily="34" charset="0"/>
+                <a:cs typeface="Tahoma" pitchFamily="34" charset="0"/>
+              </a:rPr>
+              <a:t>Sample bit of code that checks the neighbouring cells oxygen value</a:t>
+            </a:r>
+          </a:p>
+          <a:p>
+            <a:pPr>
+              <a:buNone/>
+            </a:pPr>
+            <a:endParaRPr lang="en-GB" dirty="0">
+              <a:latin typeface="+mn-lt"/>
+            </a:endParaRPr>
+          </a:p>
+        </p:txBody>
+      </p:sp>
+      <p:sp>
+        <p:nvSpPr>
+          <p:cNvPr id="18" name="TextBox 17"/>
+          <p:cNvSpPr txBox="1"/>
+          <p:nvPr/>
+        </p:nvSpPr>
+        <p:spPr>
+          <a:xfrm>
+            <a:off x="401900" y="13913919"/>
+            <a:ext cx="16201800" cy="4708981"/>
+          </a:xfrm>
+          <a:prstGeom prst="rect">
+            <a:avLst/>
+          </a:prstGeom>
+          <a:noFill/>
+        </p:spPr>
+        <p:txBody>
+          <a:bodyPr wrap="square" rtlCol="0">
+            <a:spAutoFit/>
+          </a:bodyPr>
+          <a:lstStyle/>
+          <a:p>
+            <a:pPr algn="ctr">
+              <a:buNone/>
+            </a:pPr>
+            <a:r>
+              <a:rPr lang="en-GB" sz="6000" dirty="0" smtClean="0">
+                <a:solidFill>
+                  <a:srgbClr val="FFFFFF"/>
+                </a:solidFill>
+                <a:latin typeface="+mn-lt"/>
+                <a:ea typeface="Tahoma" pitchFamily="34" charset="0"/>
+                <a:cs typeface="Tahoma" pitchFamily="34" charset="0"/>
+              </a:rPr>
+              <a:t>For the comp150 game I focused on the oxygen mechanic, this involved adding oxygen to cells in the game, and then that oxygen will spread to neighbouring cells and then that would fill a room with oxygen.</a:t>
+            </a:r>
+            <a:endParaRPr lang="en-GB" dirty="0">
+              <a:latin typeface="+mn-lt"/>
+            </a:endParaRPr>
           </a:p>
         </p:txBody>
       </p:sp>

--- a/Coding Task II & Weather API Poster.pptx
+++ b/Coding Task II & Weather API Poster.pptx
@@ -8273,8 +8273,8 @@
         </p:nvSpPr>
         <p:spPr>
           <a:xfrm>
-            <a:off x="17855952" y="6809112"/>
-            <a:ext cx="18218024" cy="43996888"/>
+            <a:off x="17855952" y="2704656"/>
+            <a:ext cx="18218024" cy="48101344"/>
           </a:xfrm>
           <a:prstGeom prst="roundRect">
             <a:avLst/>
@@ -8313,8 +8313,8 @@
         </p:nvSpPr>
         <p:spPr>
           <a:xfrm>
-            <a:off x="433104" y="6881120"/>
-            <a:ext cx="16990800" cy="43996888"/>
+            <a:off x="433104" y="2704656"/>
+            <a:ext cx="16990800" cy="48173352"/>
           </a:xfrm>
           <a:prstGeom prst="roundRect">
             <a:avLst/>
@@ -8355,7 +8355,7 @@
         </p:nvSpPr>
         <p:spPr>
           <a:xfrm>
-            <a:off x="4462464" y="472408"/>
+            <a:off x="4318448" y="-1255784"/>
             <a:ext cx="28940691" cy="5431790"/>
           </a:xfrm>
           <a:noFill/>
@@ -8573,7 +8573,7 @@
         </p:nvSpPr>
         <p:spPr>
           <a:xfrm>
-            <a:off x="726232" y="6881119"/>
+            <a:off x="726232" y="2713028"/>
             <a:ext cx="16404544" cy="6720313"/>
           </a:xfrm>
         </p:spPr>
@@ -8606,7 +8606,7 @@
         </p:nvSpPr>
         <p:spPr>
           <a:xfrm>
-            <a:off x="18936072" y="6881120"/>
+            <a:off x="18949351" y="2776665"/>
             <a:ext cx="16404545" cy="4896543"/>
           </a:xfrm>
         </p:spPr>
@@ -8648,7 +8648,7 @@
         </p:blipFill>
         <p:spPr bwMode="auto">
           <a:xfrm>
-            <a:off x="1151640" y="35900344"/>
+            <a:off x="924049" y="41588976"/>
             <a:ext cx="15553728" cy="5114708"/>
           </a:xfrm>
           <a:prstGeom prst="rect">
@@ -8750,7 +8750,7 @@
         </p:blipFill>
         <p:spPr bwMode="auto">
           <a:xfrm>
-            <a:off x="3030643" y="19727548"/>
+            <a:off x="3030642" y="14129396"/>
             <a:ext cx="11340541" cy="11340542"/>
           </a:xfrm>
           <a:prstGeom prst="rect">
@@ -8803,7 +8803,7 @@
         </p:blipFill>
         <p:spPr bwMode="auto">
           <a:xfrm>
-            <a:off x="19663653" y="18546416"/>
+            <a:off x="19598311" y="11849672"/>
             <a:ext cx="14602622" cy="8280920"/>
           </a:xfrm>
           <a:prstGeom prst="rect">
@@ -8841,7 +8841,7 @@
         </p:nvSpPr>
         <p:spPr>
           <a:xfrm>
-            <a:off x="18540028" y="10337504"/>
+            <a:off x="18474686" y="5368952"/>
             <a:ext cx="16849872" cy="7829836"/>
           </a:xfrm>
           <a:prstGeom prst="rect">
@@ -8917,8 +8917,8 @@
         </p:nvSpPr>
         <p:spPr>
           <a:xfrm>
-            <a:off x="18540028" y="27300905"/>
-            <a:ext cx="16849872" cy="3767185"/>
+            <a:off x="18540028" y="20850672"/>
+            <a:ext cx="16849872" cy="12649617"/>
           </a:xfrm>
           <a:prstGeom prst="rect">
             <a:avLst/>
@@ -8943,15 +8943,194 @@
                 <a:ea typeface="Tahoma" pitchFamily="34" charset="0"/>
                 <a:cs typeface="Tahoma" pitchFamily="34" charset="0"/>
               </a:rPr>
-              <a:t>This is the code that checks the IP address and location of the player.</a:t>
-            </a:r>
-          </a:p>
-          <a:p>
-            <a:pPr>
-              <a:buNone/>
-            </a:pPr>
+              <a:t>This is the code that checks the IP address and location of the player</a:t>
+            </a:r>
+            <a:r>
+              <a:rPr lang="en-GB" sz="6000" dirty="0" smtClean="0">
+                <a:solidFill>
+                  <a:srgbClr val="FFFFFF"/>
+                </a:solidFill>
+                <a:latin typeface="+mn-lt"/>
+                <a:ea typeface="Tahoma" pitchFamily="34" charset="0"/>
+                <a:cs typeface="Tahoma" pitchFamily="34" charset="0"/>
+              </a:rPr>
+              <a:t>.</a:t>
+            </a:r>
             <a:endParaRPr lang="en-GB" dirty="0">
               <a:latin typeface="+mn-lt"/>
+            </a:endParaRPr>
+          </a:p>
+          <a:p>
+            <a:pPr algn="ctr">
+              <a:buNone/>
+            </a:pPr>
+            <a:endParaRPr lang="en-GB" sz="6000" dirty="0" smtClean="0">
+              <a:solidFill>
+                <a:srgbClr val="FFFFFF"/>
+              </a:solidFill>
+              <a:latin typeface="+mn-lt"/>
+              <a:ea typeface="Tahoma" pitchFamily="34" charset="0"/>
+              <a:cs typeface="Tahoma" pitchFamily="34" charset="0"/>
+            </a:endParaRPr>
+          </a:p>
+          <a:p>
+            <a:pPr>
+              <a:buNone/>
+            </a:pPr>
+            <a:r>
+              <a:rPr lang="en-GB" sz="6000" dirty="0" smtClean="0">
+                <a:solidFill>
+                  <a:srgbClr val="FFFFFF"/>
+                </a:solidFill>
+                <a:latin typeface="+mn-lt"/>
+                <a:ea typeface="Tahoma" pitchFamily="34" charset="0"/>
+                <a:cs typeface="Tahoma" pitchFamily="34" charset="0"/>
+              </a:rPr>
+              <a:t>This weather API integrated three separate APIs together. First it checked the users external IP address with:</a:t>
+            </a:r>
+          </a:p>
+          <a:p>
+            <a:pPr>
+              <a:buNone/>
+            </a:pPr>
+            <a:r>
+              <a:rPr lang="en-GB" sz="6000" dirty="0">
+                <a:solidFill>
+                  <a:srgbClr val="FFFFFF"/>
+                </a:solidFill>
+                <a:latin typeface="+mn-lt"/>
+                <a:ea typeface="Tahoma" pitchFamily="34" charset="0"/>
+                <a:cs typeface="Tahoma" pitchFamily="34" charset="0"/>
+                <a:hlinkClick r:id="rId6"/>
+              </a:rPr>
+              <a:t>http://api.ipify.org</a:t>
+            </a:r>
+            <a:r>
+              <a:rPr lang="en-GB" sz="6000" dirty="0" smtClean="0">
+                <a:solidFill>
+                  <a:srgbClr val="FFFFFF"/>
+                </a:solidFill>
+                <a:latin typeface="+mn-lt"/>
+                <a:ea typeface="Tahoma" pitchFamily="34" charset="0"/>
+                <a:cs typeface="Tahoma" pitchFamily="34" charset="0"/>
+                <a:hlinkClick r:id="rId6"/>
+              </a:rPr>
+              <a:t>/</a:t>
+            </a:r>
+            <a:endParaRPr lang="en-GB" sz="6000" dirty="0" smtClean="0">
+              <a:solidFill>
+                <a:srgbClr val="FFFFFF"/>
+              </a:solidFill>
+              <a:latin typeface="+mn-lt"/>
+              <a:ea typeface="Tahoma" pitchFamily="34" charset="0"/>
+              <a:cs typeface="Tahoma" pitchFamily="34" charset="0"/>
+            </a:endParaRPr>
+          </a:p>
+          <a:p>
+            <a:pPr>
+              <a:buNone/>
+            </a:pPr>
+            <a:r>
+              <a:rPr lang="en-GB" sz="6000" dirty="0" smtClean="0">
+                <a:solidFill>
+                  <a:srgbClr val="FFFFFF"/>
+                </a:solidFill>
+                <a:latin typeface="+mn-lt"/>
+                <a:ea typeface="Tahoma" pitchFamily="34" charset="0"/>
+                <a:cs typeface="Tahoma" pitchFamily="34" charset="0"/>
+              </a:rPr>
+              <a:t>Then it got the location of the user with:</a:t>
+            </a:r>
+          </a:p>
+          <a:p>
+            <a:pPr>
+              <a:buNone/>
+            </a:pPr>
+            <a:r>
+              <a:rPr lang="en-GB" sz="6000" dirty="0">
+                <a:solidFill>
+                  <a:srgbClr val="FFFFFF"/>
+                </a:solidFill>
+                <a:latin typeface="+mn-lt"/>
+                <a:ea typeface="Tahoma" pitchFamily="34" charset="0"/>
+                <a:cs typeface="Tahoma" pitchFamily="34" charset="0"/>
+                <a:hlinkClick r:id="rId7"/>
+              </a:rPr>
+              <a:t>http://ipinfo.io</a:t>
+            </a:r>
+            <a:r>
+              <a:rPr lang="en-GB" sz="6000" dirty="0" smtClean="0">
+                <a:solidFill>
+                  <a:srgbClr val="FFFFFF"/>
+                </a:solidFill>
+                <a:latin typeface="+mn-lt"/>
+                <a:ea typeface="Tahoma" pitchFamily="34" charset="0"/>
+                <a:cs typeface="Tahoma" pitchFamily="34" charset="0"/>
+                <a:hlinkClick r:id="rId7"/>
+              </a:rPr>
+              <a:t>/</a:t>
+            </a:r>
+            <a:endParaRPr lang="en-GB" sz="6000" dirty="0" smtClean="0">
+              <a:solidFill>
+                <a:srgbClr val="FFFFFF"/>
+              </a:solidFill>
+              <a:latin typeface="+mn-lt"/>
+              <a:ea typeface="Tahoma" pitchFamily="34" charset="0"/>
+              <a:cs typeface="Tahoma" pitchFamily="34" charset="0"/>
+            </a:endParaRPr>
+          </a:p>
+          <a:p>
+            <a:pPr>
+              <a:buNone/>
+            </a:pPr>
+            <a:r>
+              <a:rPr lang="en-GB" sz="6000" dirty="0" smtClean="0">
+                <a:solidFill>
+                  <a:srgbClr val="FFFFFF"/>
+                </a:solidFill>
+                <a:latin typeface="+mn-lt"/>
+                <a:ea typeface="Tahoma" pitchFamily="34" charset="0"/>
+                <a:cs typeface="Tahoma" pitchFamily="34" charset="0"/>
+              </a:rPr>
+              <a:t>Then it gets the weather with:</a:t>
+            </a:r>
+          </a:p>
+          <a:p>
+            <a:pPr>
+              <a:buNone/>
+            </a:pPr>
+            <a:r>
+              <a:rPr lang="en-GB" sz="6000" dirty="0" smtClean="0">
+                <a:solidFill>
+                  <a:srgbClr val="FFFFFF"/>
+                </a:solidFill>
+                <a:latin typeface="+mn-lt"/>
+                <a:ea typeface="Tahoma" pitchFamily="34" charset="0"/>
+                <a:cs typeface="Tahoma" pitchFamily="34" charset="0"/>
+                <a:hlinkClick r:id="rId8"/>
+              </a:rPr>
+              <a:t>http://openweathermap.org</a:t>
+            </a:r>
+            <a:endParaRPr lang="en-GB" sz="6000" dirty="0" smtClean="0">
+              <a:solidFill>
+                <a:srgbClr val="FFFFFF"/>
+              </a:solidFill>
+              <a:latin typeface="+mn-lt"/>
+              <a:ea typeface="Tahoma" pitchFamily="34" charset="0"/>
+              <a:cs typeface="Tahoma" pitchFamily="34" charset="0"/>
+            </a:endParaRPr>
+          </a:p>
+          <a:p>
+            <a:pPr>
+              <a:buNone/>
+            </a:pPr>
+            <a:endParaRPr lang="en-GB" sz="6000" dirty="0">
+              <a:solidFill>
+                <a:srgbClr val="FFFFFF"/>
+              </a:solidFill>
+              <a:latin typeface="+mn-lt"/>
+              <a:ea typeface="Tahoma" pitchFamily="34" charset="0"/>
+              <a:cs typeface="Tahoma" pitchFamily="34" charset="0"/>
             </a:endParaRPr>
           </a:p>
         </p:txBody>
@@ -9003,7 +9182,7 @@
         </p:nvSpPr>
         <p:spPr>
           <a:xfrm>
-            <a:off x="862064" y="31299850"/>
+            <a:off x="898068" y="26467296"/>
             <a:ext cx="16201800" cy="3767185"/>
           </a:xfrm>
           <a:prstGeom prst="rect">
@@ -9050,7 +9229,7 @@
         </p:nvSpPr>
         <p:spPr>
           <a:xfrm>
-            <a:off x="574032" y="41405134"/>
+            <a:off x="600013" y="47038815"/>
             <a:ext cx="16849872" cy="3767185"/>
           </a:xfrm>
           <a:prstGeom prst="rect">
@@ -9097,7 +9276,7 @@
         </p:nvSpPr>
         <p:spPr>
           <a:xfrm>
-            <a:off x="401900" y="13913919"/>
+            <a:off x="600013" y="8459655"/>
             <a:ext cx="16201800" cy="4708981"/>
           </a:xfrm>
           <a:prstGeom prst="rect">
@@ -9125,6 +9304,114 @@
               </a:rPr>
               <a:t>For the comp150 game I focused on the oxygen mechanic, this involved adding oxygen to cells in the game, and then that oxygen will spread to neighbouring cells and then that would fill a room with oxygen.</a:t>
             </a:r>
+            <a:endParaRPr lang="en-GB" dirty="0">
+              <a:latin typeface="+mn-lt"/>
+            </a:endParaRPr>
+          </a:p>
+        </p:txBody>
+      </p:sp>
+      <p:pic>
+        <p:nvPicPr>
+          <p:cNvPr id="1026" name="Picture 2" descr="C:\Users\Alastair\Documents\GitHub\comp110-coding-task-2\UML diagrams\Use_Case Diagram.png"/>
+          <p:cNvPicPr>
+            <a:picLocks noChangeAspect="1" noChangeArrowheads="1"/>
+          </p:cNvPicPr>
+          <p:nvPr/>
+        </p:nvPicPr>
+        <p:blipFill>
+          <a:blip r:embed="rId9">
+            <a:extLst>
+              <a:ext uri="{28A0092B-C50C-407E-A947-70E740481C1C}">
+                <a14:useLocalDpi xmlns:a14="http://schemas.microsoft.com/office/drawing/2010/main" val="0"/>
+              </a:ext>
+            </a:extLst>
+          </a:blip>
+          <a:srcRect/>
+          <a:stretch>
+            <a:fillRect/>
+          </a:stretch>
+        </p:blipFill>
+        <p:spPr bwMode="auto">
+          <a:xfrm>
+            <a:off x="2679847" y="28792546"/>
+            <a:ext cx="12497314" cy="9415486"/>
+          </a:xfrm>
+          <a:prstGeom prst="rect">
+            <a:avLst/>
+          </a:prstGeom>
+          <a:ln w="127000" cap="sq">
+            <a:solidFill>
+              <a:srgbClr val="000000"/>
+            </a:solidFill>
+            <a:miter lim="800000"/>
+          </a:ln>
+          <a:effectLst>
+            <a:outerShdw blurRad="57150" dist="50800" dir="2700000" algn="tl" rotWithShape="0">
+              <a:srgbClr val="000000">
+                <a:alpha val="40000"/>
+              </a:srgbClr>
+            </a:outerShdw>
+          </a:effectLst>
+          <a:extLst>
+            <a:ext uri="{909E8E84-426E-40DD-AFC4-6F175D3DCCD1}">
+              <a14:hiddenFill xmlns:a14="http://schemas.microsoft.com/office/drawing/2010/main">
+                <a:solidFill>
+                  <a:srgbClr val="FFFFFF"/>
+                </a:solidFill>
+              </a14:hiddenFill>
+            </a:ext>
+          </a:extLst>
+        </p:spPr>
+      </p:pic>
+      <p:sp>
+        <p:nvSpPr>
+          <p:cNvPr id="20" name="TextBox 19"/>
+          <p:cNvSpPr txBox="1"/>
+          <p:nvPr/>
+        </p:nvSpPr>
+        <p:spPr>
+          <a:xfrm>
+            <a:off x="752413" y="38174608"/>
+            <a:ext cx="16849872" cy="2843855"/>
+          </a:xfrm>
+          <a:prstGeom prst="rect">
+            <a:avLst/>
+          </a:prstGeom>
+          <a:noFill/>
+        </p:spPr>
+        <p:txBody>
+          <a:bodyPr wrap="square" rtlCol="0">
+            <a:spAutoFit/>
+          </a:bodyPr>
+          <a:lstStyle/>
+          <a:p>
+            <a:pPr algn="ctr">
+              <a:buNone/>
+            </a:pPr>
+            <a:r>
+              <a:rPr lang="en-GB" sz="6000" dirty="0" smtClean="0">
+                <a:solidFill>
+                  <a:srgbClr val="FFFFFF"/>
+                </a:solidFill>
+                <a:latin typeface="+mn-lt"/>
+                <a:ea typeface="Tahoma" pitchFamily="34" charset="0"/>
+                <a:cs typeface="Tahoma" pitchFamily="34" charset="0"/>
+              </a:rPr>
+              <a:t>Use Case Diagram of the oxygen system.</a:t>
+            </a:r>
+            <a:endParaRPr lang="en-GB" sz="6000" dirty="0" smtClean="0">
+              <a:solidFill>
+                <a:srgbClr val="FFFFFF"/>
+              </a:solidFill>
+              <a:latin typeface="+mn-lt"/>
+              <a:ea typeface="Tahoma" pitchFamily="34" charset="0"/>
+              <a:cs typeface="Tahoma" pitchFamily="34" charset="0"/>
+            </a:endParaRPr>
+          </a:p>
+          <a:p>
+            <a:pPr>
+              <a:buNone/>
+            </a:pPr>
             <a:endParaRPr lang="en-GB" dirty="0">
               <a:latin typeface="+mn-lt"/>
             </a:endParaRPr>
